--- a/02 - Images/schéma_problème.pptx
+++ b/02 - Images/schéma_problème.pptx
@@ -104,6 +104,11 @@
       </a:defRPr>
     </a:lvl9pPr>
   </p:defaultTextStyle>
+  <p:extLst>
+    <p:ext uri="{EFAFB233-063F-42B5-8137-9DF3F51BA10A}">
+      <p15:sldGuideLst xmlns:p15="http://schemas.microsoft.com/office/powerpoint/2012/main"/>
+    </p:ext>
+  </p:extLst>
 </p:presentation>
 </file>
 
@@ -256,7 +261,7 @@
           <a:p>
             <a:fld id="{EFA4347C-77D6-4F6D-82B0-4D7435C4C8FA}" type="datetimeFigureOut">
               <a:rPr lang="fr-FR" smtClean="0"/>
-              <a:t>27/03/2025</a:t>
+              <a:t>05/04/2025</a:t>
             </a:fld>
             <a:endParaRPr lang="fr-FR"/>
           </a:p>
@@ -456,7 +461,7 @@
           <a:p>
             <a:fld id="{EFA4347C-77D6-4F6D-82B0-4D7435C4C8FA}" type="datetimeFigureOut">
               <a:rPr lang="fr-FR" smtClean="0"/>
-              <a:t>27/03/2025</a:t>
+              <a:t>05/04/2025</a:t>
             </a:fld>
             <a:endParaRPr lang="fr-FR"/>
           </a:p>
@@ -666,7 +671,7 @@
           <a:p>
             <a:fld id="{EFA4347C-77D6-4F6D-82B0-4D7435C4C8FA}" type="datetimeFigureOut">
               <a:rPr lang="fr-FR" smtClean="0"/>
-              <a:t>27/03/2025</a:t>
+              <a:t>05/04/2025</a:t>
             </a:fld>
             <a:endParaRPr lang="fr-FR"/>
           </a:p>
@@ -866,7 +871,7 @@
           <a:p>
             <a:fld id="{EFA4347C-77D6-4F6D-82B0-4D7435C4C8FA}" type="datetimeFigureOut">
               <a:rPr lang="fr-FR" smtClean="0"/>
-              <a:t>27/03/2025</a:t>
+              <a:t>05/04/2025</a:t>
             </a:fld>
             <a:endParaRPr lang="fr-FR"/>
           </a:p>
@@ -1142,7 +1147,7 @@
           <a:p>
             <a:fld id="{EFA4347C-77D6-4F6D-82B0-4D7435C4C8FA}" type="datetimeFigureOut">
               <a:rPr lang="fr-FR" smtClean="0"/>
-              <a:t>27/03/2025</a:t>
+              <a:t>05/04/2025</a:t>
             </a:fld>
             <a:endParaRPr lang="fr-FR"/>
           </a:p>
@@ -1410,7 +1415,7 @@
           <a:p>
             <a:fld id="{EFA4347C-77D6-4F6D-82B0-4D7435C4C8FA}" type="datetimeFigureOut">
               <a:rPr lang="fr-FR" smtClean="0"/>
-              <a:t>27/03/2025</a:t>
+              <a:t>05/04/2025</a:t>
             </a:fld>
             <a:endParaRPr lang="fr-FR"/>
           </a:p>
@@ -1825,7 +1830,7 @@
           <a:p>
             <a:fld id="{EFA4347C-77D6-4F6D-82B0-4D7435C4C8FA}" type="datetimeFigureOut">
               <a:rPr lang="fr-FR" smtClean="0"/>
-              <a:t>27/03/2025</a:t>
+              <a:t>05/04/2025</a:t>
             </a:fld>
             <a:endParaRPr lang="fr-FR"/>
           </a:p>
@@ -1967,7 +1972,7 @@
           <a:p>
             <a:fld id="{EFA4347C-77D6-4F6D-82B0-4D7435C4C8FA}" type="datetimeFigureOut">
               <a:rPr lang="fr-FR" smtClean="0"/>
-              <a:t>27/03/2025</a:t>
+              <a:t>05/04/2025</a:t>
             </a:fld>
             <a:endParaRPr lang="fr-FR"/>
           </a:p>
@@ -2080,7 +2085,7 @@
           <a:p>
             <a:fld id="{EFA4347C-77D6-4F6D-82B0-4D7435C4C8FA}" type="datetimeFigureOut">
               <a:rPr lang="fr-FR" smtClean="0"/>
-              <a:t>27/03/2025</a:t>
+              <a:t>05/04/2025</a:t>
             </a:fld>
             <a:endParaRPr lang="fr-FR"/>
           </a:p>
@@ -2393,7 +2398,7 @@
           <a:p>
             <a:fld id="{EFA4347C-77D6-4F6D-82B0-4D7435C4C8FA}" type="datetimeFigureOut">
               <a:rPr lang="fr-FR" smtClean="0"/>
-              <a:t>27/03/2025</a:t>
+              <a:t>05/04/2025</a:t>
             </a:fld>
             <a:endParaRPr lang="fr-FR"/>
           </a:p>
@@ -2682,7 +2687,7 @@
           <a:p>
             <a:fld id="{EFA4347C-77D6-4F6D-82B0-4D7435C4C8FA}" type="datetimeFigureOut">
               <a:rPr lang="fr-FR" smtClean="0"/>
-              <a:t>27/03/2025</a:t>
+              <a:t>05/04/2025</a:t>
             </a:fld>
             <a:endParaRPr lang="fr-FR"/>
           </a:p>
@@ -2925,7 +2930,7 @@
           <a:p>
             <a:fld id="{EFA4347C-77D6-4F6D-82B0-4D7435C4C8FA}" type="datetimeFigureOut">
               <a:rPr lang="fr-FR" smtClean="0"/>
-              <a:t>27/03/2025</a:t>
+              <a:t>05/04/2025</a:t>
             </a:fld>
             <a:endParaRPr lang="fr-FR"/>
           </a:p>
@@ -3342,8 +3347,8 @@
           <a:chExt cx="0" cy="0"/>
         </a:xfrm>
       </p:grpSpPr>
-      <mc:AlternateContent xmlns:mc="http://schemas.openxmlformats.org/markup-compatibility/2006">
-        <mc:Choice xmlns:a14="http://schemas.microsoft.com/office/drawing/2010/main" Requires="a14">
+      <mc:AlternateContent xmlns:mc="http://schemas.openxmlformats.org/markup-compatibility/2006" xmlns:a14="http://schemas.microsoft.com/office/drawing/2010/main">
+        <mc:Choice Requires="a14">
           <p:sp>
             <p:nvSpPr>
               <p:cNvPr id="66" name="TextBox 65">
@@ -3405,7 +3410,7 @@
             </p:txBody>
           </p:sp>
         </mc:Choice>
-        <mc:Fallback>
+        <mc:Fallback xmlns="">
           <p:sp>
             <p:nvSpPr>
               <p:cNvPr id="66" name="TextBox 65">
@@ -3818,8 +3823,8 @@
           </a:fontRef>
         </p:style>
       </p:cxnSp>
-      <mc:AlternateContent xmlns:mc="http://schemas.openxmlformats.org/markup-compatibility/2006">
-        <mc:Choice xmlns:a14="http://schemas.microsoft.com/office/drawing/2010/main" Requires="a14">
+      <mc:AlternateContent xmlns:mc="http://schemas.openxmlformats.org/markup-compatibility/2006" xmlns:a14="http://schemas.microsoft.com/office/drawing/2010/main">
+        <mc:Choice Requires="a14">
           <p:sp>
             <p:nvSpPr>
               <p:cNvPr id="22" name="TextBox 21">
@@ -3888,7 +3893,7 @@
             </p:txBody>
           </p:sp>
         </mc:Choice>
-        <mc:Fallback>
+        <mc:Fallback xmlns="">
           <p:sp>
             <p:nvSpPr>
               <p:cNvPr id="22" name="TextBox 21">
@@ -3975,8 +3980,8 @@
           </a:fontRef>
         </p:style>
       </p:cxnSp>
-      <mc:AlternateContent xmlns:mc="http://schemas.openxmlformats.org/markup-compatibility/2006">
-        <mc:Choice xmlns:a14="http://schemas.microsoft.com/office/drawing/2010/main" Requires="a14">
+      <mc:AlternateContent xmlns:mc="http://schemas.openxmlformats.org/markup-compatibility/2006" xmlns:a14="http://schemas.microsoft.com/office/drawing/2010/main">
+        <mc:Choice Requires="a14">
           <p:sp>
             <p:nvSpPr>
               <p:cNvPr id="25" name="TextBox 24">
@@ -4026,7 +4031,7 @@
             </p:txBody>
           </p:sp>
         </mc:Choice>
-        <mc:Fallback>
+        <mc:Fallback xmlns="">
           <p:sp>
             <p:nvSpPr>
               <p:cNvPr id="25" name="TextBox 24">
@@ -4113,8 +4118,8 @@
           </a:fontRef>
         </p:style>
       </p:cxnSp>
-      <mc:AlternateContent xmlns:mc="http://schemas.openxmlformats.org/markup-compatibility/2006">
-        <mc:Choice xmlns:a14="http://schemas.microsoft.com/office/drawing/2010/main" Requires="a14">
+      <mc:AlternateContent xmlns:mc="http://schemas.openxmlformats.org/markup-compatibility/2006" xmlns:a14="http://schemas.microsoft.com/office/drawing/2010/main">
+        <mc:Choice Requires="a14">
           <p:sp>
             <p:nvSpPr>
               <p:cNvPr id="28" name="TextBox 27">
@@ -4170,7 +4175,7 @@
             </p:txBody>
           </p:sp>
         </mc:Choice>
-        <mc:Fallback>
+        <mc:Fallback xmlns="">
           <p:sp>
             <p:nvSpPr>
               <p:cNvPr id="28" name="TextBox 27">
@@ -4257,8 +4262,8 @@
           </a:fontRef>
         </p:style>
       </p:cxnSp>
-      <mc:AlternateContent xmlns:mc="http://schemas.openxmlformats.org/markup-compatibility/2006">
-        <mc:Choice xmlns:a14="http://schemas.microsoft.com/office/drawing/2010/main" Requires="a14">
+      <mc:AlternateContent xmlns:mc="http://schemas.openxmlformats.org/markup-compatibility/2006" xmlns:a14="http://schemas.microsoft.com/office/drawing/2010/main">
+        <mc:Choice Requires="a14">
           <p:sp>
             <p:nvSpPr>
               <p:cNvPr id="35" name="TextBox 34">
@@ -4314,7 +4319,7 @@
             </p:txBody>
           </p:sp>
         </mc:Choice>
-        <mc:Fallback>
+        <mc:Fallback xmlns="">
           <p:sp>
             <p:nvSpPr>
               <p:cNvPr id="35" name="TextBox 34">
@@ -4401,8 +4406,8 @@
           </a:fontRef>
         </p:style>
       </p:cxnSp>
-      <mc:AlternateContent xmlns:mc="http://schemas.openxmlformats.org/markup-compatibility/2006">
-        <mc:Choice xmlns:a14="http://schemas.microsoft.com/office/drawing/2010/main" Requires="a14">
+      <mc:AlternateContent xmlns:mc="http://schemas.openxmlformats.org/markup-compatibility/2006" xmlns:a14="http://schemas.microsoft.com/office/drawing/2010/main">
+        <mc:Choice Requires="a14">
           <p:sp>
             <p:nvSpPr>
               <p:cNvPr id="40" name="TextBox 39">
@@ -4458,7 +4463,7 @@
             </p:txBody>
           </p:sp>
         </mc:Choice>
-        <mc:Fallback>
+        <mc:Fallback xmlns="">
           <p:sp>
             <p:nvSpPr>
               <p:cNvPr id="40" name="TextBox 39">
@@ -4545,8 +4550,8 @@
           </a:fontRef>
         </p:style>
       </p:cxnSp>
-      <mc:AlternateContent xmlns:mc="http://schemas.openxmlformats.org/markup-compatibility/2006">
-        <mc:Choice xmlns:a14="http://schemas.microsoft.com/office/drawing/2010/main" Requires="a14">
+      <mc:AlternateContent xmlns:mc="http://schemas.openxmlformats.org/markup-compatibility/2006" xmlns:a14="http://schemas.microsoft.com/office/drawing/2010/main">
+        <mc:Choice Requires="a14">
           <p:sp>
             <p:nvSpPr>
               <p:cNvPr id="42" name="TextBox 41">
@@ -4602,7 +4607,7 @@
             </p:txBody>
           </p:sp>
         </mc:Choice>
-        <mc:Fallback>
+        <mc:Fallback xmlns="">
           <p:sp>
             <p:nvSpPr>
               <p:cNvPr id="42" name="TextBox 41">
@@ -4929,8 +4934,8 @@
           </a:fontRef>
         </p:style>
       </p:cxnSp>
-      <mc:AlternateContent xmlns:mc="http://schemas.openxmlformats.org/markup-compatibility/2006">
-        <mc:Choice xmlns:a14="http://schemas.microsoft.com/office/drawing/2010/main" Requires="a14">
+      <mc:AlternateContent xmlns:mc="http://schemas.openxmlformats.org/markup-compatibility/2006" xmlns:a14="http://schemas.microsoft.com/office/drawing/2010/main">
+        <mc:Choice Requires="a14">
           <p:sp>
             <p:nvSpPr>
               <p:cNvPr id="67" name="TextBox 66">
@@ -4992,7 +4997,7 @@
             </p:txBody>
           </p:sp>
         </mc:Choice>
-        <mc:Fallback>
+        <mc:Fallback xmlns="">
           <p:sp>
             <p:nvSpPr>
               <p:cNvPr id="67" name="TextBox 66">
